--- a/OnlinePrePurchasing.pptx
+++ b/OnlinePrePurchasing.pptx
@@ -5,21 +5,18 @@
     <p:sldMasterId id="2147483672" r:id="rId1"/>
   </p:sldMasterIdLst>
   <p:notesMasterIdLst>
-    <p:notesMasterId r:id="rId14"/>
+    <p:notesMasterId r:id="rId11"/>
   </p:notesMasterIdLst>
   <p:sldIdLst>
     <p:sldId id="257" r:id="rId2"/>
-    <p:sldId id="258" r:id="rId3"/>
-    <p:sldId id="269" r:id="rId4"/>
-    <p:sldId id="259" r:id="rId5"/>
-    <p:sldId id="267" r:id="rId6"/>
-    <p:sldId id="261" r:id="rId7"/>
-    <p:sldId id="262" r:id="rId8"/>
-    <p:sldId id="268" r:id="rId9"/>
+    <p:sldId id="269" r:id="rId3"/>
+    <p:sldId id="258" r:id="rId4"/>
+    <p:sldId id="270" r:id="rId5"/>
+    <p:sldId id="271" r:id="rId6"/>
+    <p:sldId id="272" r:id="rId7"/>
+    <p:sldId id="259" r:id="rId8"/>
+    <p:sldId id="267" r:id="rId9"/>
     <p:sldId id="264" r:id="rId10"/>
-    <p:sldId id="263" r:id="rId11"/>
-    <p:sldId id="260" r:id="rId12"/>
-    <p:sldId id="266" r:id="rId13"/>
   </p:sldIdLst>
   <p:sldSz cx="9144000" cy="6858000" type="screen4x3"/>
   <p:notesSz cx="6858000" cy="9144000"/>
@@ -469,266 +466,6 @@
     </a:lvl9pPr>
   </p:notesStyle>
 </p:notesMaster>
-</file>
-
-<file path=ppt/notesSlides/notesSlide1.xml><?xml version="1.0" encoding="utf-8"?>
-<p:notes xmlns:a="http://schemas.openxmlformats.org/drawingml/2006/main" xmlns:r="http://schemas.openxmlformats.org/officeDocument/2006/relationships" xmlns:p="http://schemas.openxmlformats.org/presentationml/2006/main">
-  <p:cSld>
-    <p:spTree>
-      <p:nvGrpSpPr>
-        <p:cNvPr id="1" name=""/>
-        <p:cNvGrpSpPr/>
-        <p:nvPr/>
-      </p:nvGrpSpPr>
-      <p:grpSpPr>
-        <a:xfrm>
-          <a:off x="0" y="0"/>
-          <a:ext cx="0" cy="0"/>
-          <a:chOff x="0" y="0"/>
-          <a:chExt cx="0" cy="0"/>
-        </a:xfrm>
-      </p:grpSpPr>
-      <p:sp>
-        <p:nvSpPr>
-          <p:cNvPr id="6146" name="1 Marcador de imagen de diapositiva"/>
-          <p:cNvSpPr>
-            <a:spLocks noGrp="1" noRot="1" noChangeAspect="1" noTextEdit="1"/>
-          </p:cNvSpPr>
-          <p:nvPr>
-            <p:ph type="sldImg"/>
-          </p:nvPr>
-        </p:nvSpPr>
-        <p:spPr bwMode="auto">
-          <a:noFill/>
-          <a:ln>
-            <a:solidFill>
-              <a:srgbClr val="000000"/>
-            </a:solidFill>
-            <a:miter lim="800000"/>
-            <a:headEnd/>
-            <a:tailEnd/>
-          </a:ln>
-          <a:extLst>
-            <a:ext uri="{909E8E84-426E-40DD-AFC4-6F175D3DCCD1}">
-              <a14:hiddenFill xmlns:a14="http://schemas.microsoft.com/office/drawing/2010/main">
-                <a:solidFill>
-                  <a:srgbClr val="FFFFFF"/>
-                </a:solidFill>
-              </a14:hiddenFill>
-            </a:ext>
-          </a:extLst>
-        </p:spPr>
-      </p:sp>
-      <p:sp>
-        <p:nvSpPr>
-          <p:cNvPr id="6147" name="2 Marcador de notas"/>
-          <p:cNvSpPr>
-            <a:spLocks noGrp="1"/>
-          </p:cNvSpPr>
-          <p:nvPr>
-            <p:ph type="body" idx="1"/>
-          </p:nvPr>
-        </p:nvSpPr>
-        <p:spPr bwMode="auto">
-          <a:noFill/>
-          <a:extLst>
-            <a:ext uri="{909E8E84-426E-40DD-AFC4-6F175D3DCCD1}">
-              <a14:hiddenFill xmlns:a14="http://schemas.microsoft.com/office/drawing/2010/main">
-                <a:solidFill>
-                  <a:srgbClr val="FFFFFF"/>
-                </a:solidFill>
-              </a14:hiddenFill>
-            </a:ext>
-            <a:ext uri="{91240B29-F687-4F45-9708-019B960494DF}">
-              <a14:hiddenLine xmlns:a14="http://schemas.microsoft.com/office/drawing/2010/main" w="9525">
-                <a:solidFill>
-                  <a:srgbClr val="000000"/>
-                </a:solidFill>
-                <a:miter lim="800000"/>
-                <a:headEnd/>
-                <a:tailEnd/>
-              </a14:hiddenLine>
-            </a:ext>
-          </a:extLst>
-        </p:spPr>
-        <p:txBody>
-          <a:bodyPr wrap="square" numCol="1" anchor="t" anchorCtr="0" compatLnSpc="1">
-            <a:prstTxWarp prst="textNoShape">
-              <a:avLst/>
-            </a:prstTxWarp>
-          </a:bodyPr>
-          <a:lstStyle/>
-          <a:p>
-            <a:pPr eaLnBrk="1" hangingPunct="1">
-              <a:spcBef>
-                <a:spcPct val="0"/>
-              </a:spcBef>
-            </a:pPr>
-            <a:endParaRPr lang="es-UY" smtClean="0"/>
-          </a:p>
-        </p:txBody>
-      </p:sp>
-      <p:sp>
-        <p:nvSpPr>
-          <p:cNvPr id="6148" name="3 Marcador de número de diapositiva"/>
-          <p:cNvSpPr>
-            <a:spLocks noGrp="1"/>
-          </p:cNvSpPr>
-          <p:nvPr>
-            <p:ph type="sldNum" sz="quarter" idx="5"/>
-          </p:nvPr>
-        </p:nvSpPr>
-        <p:spPr bwMode="auto">
-          <a:noFill/>
-          <a:extLst>
-            <a:ext uri="{909E8E84-426E-40DD-AFC4-6F175D3DCCD1}">
-              <a14:hiddenFill xmlns:a14="http://schemas.microsoft.com/office/drawing/2010/main">
-                <a:solidFill>
-                  <a:srgbClr val="FFFFFF"/>
-                </a:solidFill>
-              </a14:hiddenFill>
-            </a:ext>
-            <a:ext uri="{91240B29-F687-4F45-9708-019B960494DF}">
-              <a14:hiddenLine xmlns:a14="http://schemas.microsoft.com/office/drawing/2010/main" w="9525">
-                <a:solidFill>
-                  <a:srgbClr val="000000"/>
-                </a:solidFill>
-                <a:miter lim="800000"/>
-                <a:headEnd/>
-                <a:tailEnd/>
-              </a14:hiddenLine>
-            </a:ext>
-          </a:extLst>
-        </p:spPr>
-        <p:txBody>
-          <a:bodyPr wrap="square" numCol="1" anchorCtr="0" compatLnSpc="1">
-            <a:prstTxWarp prst="textNoShape">
-              <a:avLst/>
-            </a:prstTxWarp>
-          </a:bodyPr>
-          <a:lstStyle>
-            <a:lvl1pPr eaLnBrk="0" hangingPunct="0">
-              <a:defRPr>
-                <a:solidFill>
-                  <a:schemeClr val="tx1"/>
-                </a:solidFill>
-                <a:latin typeface="Arial" charset="0"/>
-              </a:defRPr>
-            </a:lvl1pPr>
-            <a:lvl2pPr marL="742950" indent="-285750" eaLnBrk="0" hangingPunct="0">
-              <a:defRPr>
-                <a:solidFill>
-                  <a:schemeClr val="tx1"/>
-                </a:solidFill>
-                <a:latin typeface="Arial" charset="0"/>
-              </a:defRPr>
-            </a:lvl2pPr>
-            <a:lvl3pPr marL="1143000" indent="-228600" eaLnBrk="0" hangingPunct="0">
-              <a:defRPr>
-                <a:solidFill>
-                  <a:schemeClr val="tx1"/>
-                </a:solidFill>
-                <a:latin typeface="Arial" charset="0"/>
-              </a:defRPr>
-            </a:lvl3pPr>
-            <a:lvl4pPr marL="1600200" indent="-228600" eaLnBrk="0" hangingPunct="0">
-              <a:defRPr>
-                <a:solidFill>
-                  <a:schemeClr val="tx1"/>
-                </a:solidFill>
-                <a:latin typeface="Arial" charset="0"/>
-              </a:defRPr>
-            </a:lvl4pPr>
-            <a:lvl5pPr marL="2057400" indent="-228600" eaLnBrk="0" hangingPunct="0">
-              <a:defRPr>
-                <a:solidFill>
-                  <a:schemeClr val="tx1"/>
-                </a:solidFill>
-                <a:latin typeface="Arial" charset="0"/>
-              </a:defRPr>
-            </a:lvl5pPr>
-            <a:lvl6pPr marL="2514600" indent="-228600" eaLnBrk="0" fontAlgn="base" hangingPunct="0">
-              <a:spcBef>
-                <a:spcPct val="0"/>
-              </a:spcBef>
-              <a:spcAft>
-                <a:spcPct val="0"/>
-              </a:spcAft>
-              <a:defRPr>
-                <a:solidFill>
-                  <a:schemeClr val="tx1"/>
-                </a:solidFill>
-                <a:latin typeface="Arial" charset="0"/>
-              </a:defRPr>
-            </a:lvl6pPr>
-            <a:lvl7pPr marL="2971800" indent="-228600" eaLnBrk="0" fontAlgn="base" hangingPunct="0">
-              <a:spcBef>
-                <a:spcPct val="0"/>
-              </a:spcBef>
-              <a:spcAft>
-                <a:spcPct val="0"/>
-              </a:spcAft>
-              <a:defRPr>
-                <a:solidFill>
-                  <a:schemeClr val="tx1"/>
-                </a:solidFill>
-                <a:latin typeface="Arial" charset="0"/>
-              </a:defRPr>
-            </a:lvl7pPr>
-            <a:lvl8pPr marL="3429000" indent="-228600" eaLnBrk="0" fontAlgn="base" hangingPunct="0">
-              <a:spcBef>
-                <a:spcPct val="0"/>
-              </a:spcBef>
-              <a:spcAft>
-                <a:spcPct val="0"/>
-              </a:spcAft>
-              <a:defRPr>
-                <a:solidFill>
-                  <a:schemeClr val="tx1"/>
-                </a:solidFill>
-                <a:latin typeface="Arial" charset="0"/>
-              </a:defRPr>
-            </a:lvl8pPr>
-            <a:lvl9pPr marL="3886200" indent="-228600" eaLnBrk="0" fontAlgn="base" hangingPunct="0">
-              <a:spcBef>
-                <a:spcPct val="0"/>
-              </a:spcBef>
-              <a:spcAft>
-                <a:spcPct val="0"/>
-              </a:spcAft>
-              <a:defRPr>
-                <a:solidFill>
-                  <a:schemeClr val="tx1"/>
-                </a:solidFill>
-                <a:latin typeface="Arial" charset="0"/>
-              </a:defRPr>
-            </a:lvl9pPr>
-          </a:lstStyle>
-          <a:p>
-            <a:pPr eaLnBrk="1" hangingPunct="1"/>
-            <a:fld id="{E8BB6D3B-B61A-47F1-B3F5-87AB0CCE9F46}" type="slidenum">
-              <a:rPr lang="es-UY" smtClean="0">
-                <a:solidFill>
-                  <a:prstClr val="black"/>
-                </a:solidFill>
-              </a:rPr>
-              <a:pPr eaLnBrk="1" hangingPunct="1"/>
-              <a:t>7</a:t>
-            </a:fld>
-            <a:endParaRPr lang="es-UY" smtClean="0">
-              <a:solidFill>
-                <a:prstClr val="black"/>
-              </a:solidFill>
-            </a:endParaRPr>
-          </a:p>
-        </p:txBody>
-      </p:sp>
-    </p:spTree>
-  </p:cSld>
-  <p:clrMapOvr>
-    <a:masterClrMapping/>
-  </p:clrMapOvr>
-</p:notes>
 </file>
 
 <file path=ppt/slideLayouts/slideLayout1.xml><?xml version="1.0" encoding="utf-8"?>
@@ -4352,11 +4089,6 @@
               </a:rPr>
               <a:t>Online Pre-Purchasing</a:t>
             </a:r>
-            <a:endParaRPr lang="en-US" dirty="0" smtClean="0">
-              <a:solidFill>
-                <a:schemeClr val="bg1"/>
-              </a:solidFill>
-            </a:endParaRPr>
           </a:p>
         </p:txBody>
       </p:sp>
@@ -4514,596 +4246,6 @@
     <p:extLst>
       <p:ext uri="{BB962C8B-B14F-4D97-AF65-F5344CB8AC3E}">
         <p14:creationId xmlns:p14="http://schemas.microsoft.com/office/powerpoint/2010/main" val="1728148882"/>
-      </p:ext>
-    </p:extLst>
-  </p:cSld>
-  <p:clrMapOvr>
-    <a:masterClrMapping/>
-  </p:clrMapOvr>
-  <p:timing>
-    <p:tnLst>
-      <p:par>
-        <p:cTn id="1" dur="indefinite" restart="never" nodeType="tmRoot"/>
-      </p:par>
-    </p:tnLst>
-  </p:timing>
-</p:sld>
-</file>
-
-<file path=ppt/slides/slide10.xml><?xml version="1.0" encoding="utf-8"?>
-<p:sld xmlns:a="http://schemas.openxmlformats.org/drawingml/2006/main" xmlns:r="http://schemas.openxmlformats.org/officeDocument/2006/relationships" xmlns:p="http://schemas.openxmlformats.org/presentationml/2006/main">
-  <p:cSld>
-    <p:spTree>
-      <p:nvGrpSpPr>
-        <p:cNvPr id="1" name=""/>
-        <p:cNvGrpSpPr/>
-        <p:nvPr/>
-      </p:nvGrpSpPr>
-      <p:grpSpPr>
-        <a:xfrm>
-          <a:off x="0" y="0"/>
-          <a:ext cx="0" cy="0"/>
-          <a:chOff x="0" y="0"/>
-          <a:chExt cx="0" cy="0"/>
-        </a:xfrm>
-      </p:grpSpPr>
-      <p:sp>
-        <p:nvSpPr>
-          <p:cNvPr id="2" name="Title 1"/>
-          <p:cNvSpPr>
-            <a:spLocks noGrp="1"/>
-          </p:cNvSpPr>
-          <p:nvPr>
-            <p:ph type="title"/>
-          </p:nvPr>
-        </p:nvSpPr>
-        <p:spPr/>
-        <p:txBody>
-          <a:bodyPr/>
-          <a:lstStyle/>
-          <a:p>
-            <a:r>
-              <a:rPr lang="en-US" dirty="0" smtClean="0"/>
-              <a:t>What we’re doing wrong</a:t>
-            </a:r>
-            <a:endParaRPr lang="en-US" dirty="0"/>
-          </a:p>
-        </p:txBody>
-      </p:sp>
-      <p:sp>
-        <p:nvSpPr>
-          <p:cNvPr id="3" name="Content Placeholder 2"/>
-          <p:cNvSpPr>
-            <a:spLocks noGrp="1"/>
-          </p:cNvSpPr>
-          <p:nvPr>
-            <p:ph idx="1"/>
-          </p:nvPr>
-        </p:nvSpPr>
-        <p:spPr/>
-        <p:txBody>
-          <a:bodyPr/>
-          <a:lstStyle/>
-          <a:p>
-            <a:r>
-              <a:rPr lang="en-US" sz="2000" dirty="0" smtClean="0"/>
-              <a:t>Authentication</a:t>
-            </a:r>
-            <a:endParaRPr lang="en-US" sz="2000" dirty="0"/>
-          </a:p>
-          <a:p>
-            <a:pPr lvl="1"/>
-            <a:r>
-              <a:rPr lang="en-US" sz="2000" dirty="0" smtClean="0"/>
-              <a:t>CAS is UC Davis only, difficult for “post-PC” devices</a:t>
-            </a:r>
-          </a:p>
-          <a:p>
-            <a:pPr lvl="1"/>
-            <a:r>
-              <a:rPr lang="en-US" sz="2000" dirty="0" smtClean="0"/>
-              <a:t>Shibboleth </a:t>
-            </a:r>
-            <a:r>
-              <a:rPr lang="en-US" sz="2000" dirty="0"/>
-              <a:t>is hard to setup, </a:t>
-            </a:r>
-            <a:r>
-              <a:rPr lang="en-US" sz="2000" dirty="0" smtClean="0"/>
-              <a:t>hard to use</a:t>
-            </a:r>
-            <a:r>
-              <a:rPr lang="en-US" sz="2000" dirty="0"/>
-              <a:t>, </a:t>
-            </a:r>
-            <a:r>
-              <a:rPr lang="en-US" sz="2000" dirty="0" smtClean="0"/>
-              <a:t>narrow in scope</a:t>
-            </a:r>
-            <a:endParaRPr lang="en-US" sz="2000" dirty="0"/>
-          </a:p>
-          <a:p>
-            <a:pPr lvl="1"/>
-            <a:r>
-              <a:rPr lang="en-US" sz="2000" dirty="0" err="1" smtClean="0"/>
-              <a:t>OAuth</a:t>
-            </a:r>
-            <a:r>
-              <a:rPr lang="en-US" sz="2000" dirty="0" smtClean="0"/>
-              <a:t> </a:t>
-            </a:r>
-            <a:r>
-              <a:rPr lang="en-US" sz="2000" dirty="0"/>
-              <a:t>2.0 is the rest of the web</a:t>
-            </a:r>
-          </a:p>
-          <a:p>
-            <a:pPr lvl="2"/>
-            <a:r>
-              <a:rPr lang="en-US" sz="2000" dirty="0"/>
-              <a:t>Google, Facebook, major cloud providers</a:t>
-            </a:r>
-          </a:p>
-          <a:p>
-            <a:pPr lvl="2"/>
-            <a:r>
-              <a:rPr lang="en-US" sz="2000" dirty="0"/>
-              <a:t>Why not UC</a:t>
-            </a:r>
-            <a:r>
-              <a:rPr lang="en-US" sz="2000" dirty="0" smtClean="0"/>
-              <a:t>?</a:t>
-            </a:r>
-          </a:p>
-          <a:p>
-            <a:r>
-              <a:rPr lang="en-US" sz="2000" dirty="0"/>
-              <a:t>Non-secured </a:t>
-            </a:r>
-            <a:r>
-              <a:rPr lang="en-US" sz="2000" dirty="0" smtClean="0"/>
-              <a:t>APIs (hint: </a:t>
-            </a:r>
-            <a:r>
-              <a:rPr lang="en-US" sz="2000" dirty="0" err="1" smtClean="0"/>
-              <a:t>OAuth</a:t>
-            </a:r>
-            <a:r>
-              <a:rPr lang="en-US" sz="2000" dirty="0" smtClean="0"/>
-              <a:t> 2.0)</a:t>
-            </a:r>
-          </a:p>
-          <a:p>
-            <a:pPr lvl="1"/>
-            <a:r>
-              <a:rPr lang="en-US" sz="2000" dirty="0" smtClean="0"/>
-              <a:t>SOAP is insecure without a shared secret</a:t>
-            </a:r>
-          </a:p>
-          <a:p>
-            <a:pPr lvl="1"/>
-            <a:r>
-              <a:rPr lang="en-US" sz="2000" dirty="0" smtClean="0"/>
-              <a:t>With a shared secret, it’s difficult to mange</a:t>
-            </a:r>
-            <a:endParaRPr lang="en-US" sz="2000" dirty="0"/>
-          </a:p>
-          <a:p>
-            <a:r>
-              <a:rPr lang="en-US" sz="2000" dirty="0" smtClean="0"/>
-              <a:t>Authorization (API)</a:t>
-            </a:r>
-          </a:p>
-          <a:p>
-            <a:pPr lvl="1"/>
-            <a:r>
-              <a:rPr lang="en-US" sz="2000" dirty="0" err="1" smtClean="0"/>
-              <a:t>CatBert</a:t>
-            </a:r>
-            <a:r>
-              <a:rPr lang="en-US" sz="2000" dirty="0" smtClean="0"/>
-              <a:t> v4 is a web API for Authorization</a:t>
-            </a:r>
-            <a:endParaRPr lang="en-US" sz="2000" dirty="0"/>
-          </a:p>
-        </p:txBody>
-      </p:sp>
-    </p:spTree>
-    <p:extLst>
-      <p:ext uri="{BB962C8B-B14F-4D97-AF65-F5344CB8AC3E}">
-        <p14:creationId xmlns:p14="http://schemas.microsoft.com/office/powerpoint/2010/main" val="2660073888"/>
-      </p:ext>
-    </p:extLst>
-  </p:cSld>
-  <p:clrMapOvr>
-    <a:masterClrMapping/>
-  </p:clrMapOvr>
-</p:sld>
-</file>
-
-<file path=ppt/slides/slide11.xml><?xml version="1.0" encoding="utf-8"?>
-<p:sld xmlns:a="http://schemas.openxmlformats.org/drawingml/2006/main" xmlns:r="http://schemas.openxmlformats.org/officeDocument/2006/relationships" xmlns:p="http://schemas.openxmlformats.org/presentationml/2006/main">
-  <p:cSld>
-    <p:spTree>
-      <p:nvGrpSpPr>
-        <p:cNvPr id="1" name=""/>
-        <p:cNvGrpSpPr/>
-        <p:nvPr/>
-      </p:nvGrpSpPr>
-      <p:grpSpPr>
-        <a:xfrm>
-          <a:off x="0" y="0"/>
-          <a:ext cx="0" cy="0"/>
-          <a:chOff x="0" y="0"/>
-          <a:chExt cx="0" cy="0"/>
-        </a:xfrm>
-      </p:grpSpPr>
-      <p:sp>
-        <p:nvSpPr>
-          <p:cNvPr id="2" name="Title 1"/>
-          <p:cNvSpPr>
-            <a:spLocks noGrp="1"/>
-          </p:cNvSpPr>
-          <p:nvPr>
-            <p:ph type="title"/>
-          </p:nvPr>
-        </p:nvSpPr>
-        <p:spPr/>
-        <p:txBody>
-          <a:bodyPr/>
-          <a:lstStyle/>
-          <a:p>
-            <a:r>
-              <a:rPr lang="en-US" dirty="0" smtClean="0"/>
-              <a:t>What we’re doing Wrong</a:t>
-            </a:r>
-            <a:endParaRPr lang="en-US" dirty="0"/>
-          </a:p>
-        </p:txBody>
-      </p:sp>
-      <p:sp>
-        <p:nvSpPr>
-          <p:cNvPr id="3" name="Content Placeholder 2"/>
-          <p:cNvSpPr>
-            <a:spLocks noGrp="1"/>
-          </p:cNvSpPr>
-          <p:nvPr>
-            <p:ph idx="1"/>
-          </p:nvPr>
-        </p:nvSpPr>
-        <p:spPr>
-          <a:xfrm>
-            <a:off x="457200" y="1371600"/>
-            <a:ext cx="8229600" cy="4800600"/>
-          </a:xfrm>
-        </p:spPr>
-        <p:txBody>
-          <a:bodyPr/>
-          <a:lstStyle/>
-          <a:p>
-            <a:r>
-              <a:rPr lang="en-US" sz="1800" dirty="0" smtClean="0"/>
-              <a:t>Not Invented Here syndrome</a:t>
-            </a:r>
-          </a:p>
-          <a:p>
-            <a:r>
-              <a:rPr lang="en-US" sz="1800" dirty="0" smtClean="0"/>
-              <a:t>We’re Not Sharing Enough! (i.e. useless language/tool debates, service catalogs)</a:t>
-            </a:r>
-          </a:p>
-          <a:p>
-            <a:pPr lvl="1"/>
-            <a:r>
-              <a:rPr lang="en-US" sz="1800" dirty="0" smtClean="0"/>
-              <a:t>It’s not about the language or tool</a:t>
-            </a:r>
-          </a:p>
-          <a:p>
-            <a:pPr lvl="1"/>
-            <a:r>
-              <a:rPr lang="en-US" sz="1800" dirty="0" smtClean="0"/>
-              <a:t>It’s about usable, actionable Software Development Standards!</a:t>
-            </a:r>
-          </a:p>
-          <a:p>
-            <a:pPr lvl="1"/>
-            <a:r>
-              <a:rPr lang="en-US" sz="1800" dirty="0" smtClean="0"/>
-              <a:t>And documentation (LP)</a:t>
-            </a:r>
-          </a:p>
-          <a:p>
-            <a:pPr lvl="2"/>
-            <a:r>
-              <a:rPr lang="en-US" sz="1800" dirty="0" smtClean="0"/>
-              <a:t>Comments are NOT sufficient documentation</a:t>
-            </a:r>
-          </a:p>
-          <a:p>
-            <a:pPr lvl="2"/>
-            <a:r>
-              <a:rPr lang="en-US" sz="1800" dirty="0" smtClean="0"/>
-              <a:t>Test cases are NOT “executable” documentation</a:t>
-            </a:r>
-          </a:p>
-          <a:p>
-            <a:pPr lvl="2"/>
-            <a:r>
-              <a:rPr lang="en-US" sz="1800" dirty="0" smtClean="0"/>
-              <a:t>Need to know Why something was done, not How</a:t>
-            </a:r>
-          </a:p>
-          <a:p>
-            <a:pPr lvl="1"/>
-            <a:r>
-              <a:rPr lang="en-US" sz="1800" dirty="0" smtClean="0"/>
-              <a:t>And a Service Catalog</a:t>
-            </a:r>
-          </a:p>
-          <a:p>
-            <a:pPr lvl="1"/>
-            <a:r>
-              <a:rPr lang="en-US" sz="1800" dirty="0" smtClean="0"/>
-              <a:t>Using well-known APIs (</a:t>
-            </a:r>
-            <a:r>
-              <a:rPr lang="en-US" sz="1800" dirty="0" err="1" smtClean="0"/>
-              <a:t>RESTFul</a:t>
-            </a:r>
-            <a:r>
-              <a:rPr lang="en-US" sz="1800" dirty="0" smtClean="0"/>
-              <a:t>, </a:t>
-            </a:r>
-            <a:r>
-              <a:rPr lang="en-US" sz="1800" dirty="0" err="1" smtClean="0"/>
-              <a:t>OAuth</a:t>
-            </a:r>
-            <a:r>
-              <a:rPr lang="en-US" sz="1800" dirty="0" smtClean="0"/>
-              <a:t>, etc.)</a:t>
-            </a:r>
-          </a:p>
-          <a:p>
-            <a:pPr marL="0" indent="0">
-              <a:buNone/>
-            </a:pPr>
-            <a:r>
-              <a:rPr lang="en-US" sz="1800" dirty="0" smtClean="0"/>
-              <a:t>=  We are still working on the balance between central and departmental services</a:t>
-            </a:r>
-          </a:p>
-          <a:p>
-            <a:pPr marL="0" indent="0">
-              <a:buNone/>
-            </a:pPr>
-            <a:r>
-              <a:rPr lang="en-US" sz="1800" dirty="0" smtClean="0"/>
-              <a:t>=  Better Collaboration</a:t>
-            </a:r>
-          </a:p>
-        </p:txBody>
-      </p:sp>
-    </p:spTree>
-    <p:extLst>
-      <p:ext uri="{BB962C8B-B14F-4D97-AF65-F5344CB8AC3E}">
-        <p14:creationId xmlns:p14="http://schemas.microsoft.com/office/powerpoint/2010/main" val="1730826855"/>
-      </p:ext>
-    </p:extLst>
-  </p:cSld>
-  <p:clrMapOvr>
-    <a:masterClrMapping/>
-  </p:clrMapOvr>
-</p:sld>
-</file>
-
-<file path=ppt/slides/slide12.xml><?xml version="1.0" encoding="utf-8"?>
-<p:sld xmlns:a="http://schemas.openxmlformats.org/drawingml/2006/main" xmlns:r="http://schemas.openxmlformats.org/officeDocument/2006/relationships" xmlns:p="http://schemas.openxmlformats.org/presentationml/2006/main">
-  <p:cSld>
-    <p:bg>
-      <p:bgPr>
-        <a:blipFill dpi="0" rotWithShape="0">
-          <a:blip r:embed="rId2"/>
-          <a:srcRect/>
-          <a:stretch>
-            <a:fillRect/>
-          </a:stretch>
-        </a:blipFill>
-        <a:effectLst/>
-      </p:bgPr>
-    </p:bg>
-    <p:spTree>
-      <p:nvGrpSpPr>
-        <p:cNvPr id="1" name=""/>
-        <p:cNvGrpSpPr/>
-        <p:nvPr/>
-      </p:nvGrpSpPr>
-      <p:grpSpPr>
-        <a:xfrm>
-          <a:off x="0" y="0"/>
-          <a:ext cx="0" cy="0"/>
-          <a:chOff x="0" y="0"/>
-          <a:chExt cx="0" cy="0"/>
-        </a:xfrm>
-      </p:grpSpPr>
-      <p:sp>
-        <p:nvSpPr>
-          <p:cNvPr id="2050" name="Titre 1"/>
-          <p:cNvSpPr>
-            <a:spLocks noGrp="1"/>
-          </p:cNvSpPr>
-          <p:nvPr>
-            <p:ph type="ctrTitle"/>
-          </p:nvPr>
-        </p:nvSpPr>
-        <p:spPr>
-          <a:xfrm>
-            <a:off x="685800" y="1130300"/>
-            <a:ext cx="7772400" cy="1470025"/>
-          </a:xfrm>
-        </p:spPr>
-        <p:txBody>
-          <a:bodyPr/>
-          <a:lstStyle/>
-          <a:p>
-            <a:r>
-              <a:rPr lang="en-US" dirty="0" smtClean="0">
-                <a:solidFill>
-                  <a:schemeClr val="bg1"/>
-                </a:solidFill>
-              </a:rPr>
-              <a:t>Let’s fix it together!</a:t>
-            </a:r>
-          </a:p>
-        </p:txBody>
-      </p:sp>
-      <p:sp>
-        <p:nvSpPr>
-          <p:cNvPr id="2051" name="Sous-titre 2"/>
-          <p:cNvSpPr>
-            <a:spLocks noGrp="1"/>
-          </p:cNvSpPr>
-          <p:nvPr>
-            <p:ph type="subTitle" idx="1"/>
-          </p:nvPr>
-        </p:nvSpPr>
-        <p:spPr>
-          <a:xfrm>
-            <a:off x="762000" y="2590800"/>
-            <a:ext cx="7391400" cy="1981200"/>
-          </a:xfrm>
-        </p:spPr>
-        <p:txBody>
-          <a:bodyPr/>
-          <a:lstStyle/>
-          <a:p>
-            <a:r>
-              <a:rPr lang="en-US" sz="2800" dirty="0" smtClean="0">
-                <a:solidFill>
-                  <a:schemeClr val="bg1"/>
-                </a:solidFill>
-              </a:rPr>
-              <a:t>Adam Getchell</a:t>
-            </a:r>
-          </a:p>
-          <a:p>
-            <a:r>
-              <a:rPr lang="en-US" sz="2000" dirty="0">
-                <a:solidFill>
-                  <a:schemeClr val="bg1"/>
-                </a:solidFill>
-                <a:hlinkClick r:id="rId3"/>
-              </a:rPr>
-              <a:t>acgetchell@ucdavis.edu</a:t>
-            </a:r>
-            <a:endParaRPr lang="en-US" sz="2000" dirty="0">
-              <a:solidFill>
-                <a:schemeClr val="bg1"/>
-              </a:solidFill>
-            </a:endParaRPr>
-          </a:p>
-          <a:p>
-            <a:r>
-              <a:rPr lang="en-US" sz="2000" dirty="0">
-                <a:solidFill>
-                  <a:schemeClr val="bg1"/>
-                </a:solidFill>
-                <a:hlinkClick r:id="rId4"/>
-              </a:rPr>
-              <a:t>https://</a:t>
-            </a:r>
-            <a:r>
-              <a:rPr lang="en-US" sz="2000" dirty="0" smtClean="0">
-                <a:solidFill>
-                  <a:schemeClr val="bg1"/>
-                </a:solidFill>
-                <a:hlinkClick r:id="rId4"/>
-              </a:rPr>
-              <a:t>github.com/acgetchell</a:t>
-            </a:r>
-            <a:endParaRPr lang="en-US" sz="2000" dirty="0" smtClean="0">
-              <a:solidFill>
-                <a:schemeClr val="bg1"/>
-              </a:solidFill>
-            </a:endParaRPr>
-          </a:p>
-          <a:p>
-            <a:r>
-              <a:rPr lang="en-US" sz="2000" dirty="0">
-                <a:hlinkClick r:id="rId5"/>
-              </a:rPr>
-              <a:t>http://</a:t>
-            </a:r>
-            <a:r>
-              <a:rPr lang="en-US" sz="2000" dirty="0" smtClean="0">
-                <a:hlinkClick r:id="rId5"/>
-              </a:rPr>
-              <a:t>www.linkedin.com/in/adamgetchell</a:t>
-            </a:r>
-            <a:endParaRPr lang="en-US" sz="2000" dirty="0" smtClean="0"/>
-          </a:p>
-          <a:p>
-            <a:r>
-              <a:rPr lang="en-US" sz="2000" dirty="0">
-                <a:hlinkClick r:id="rId6"/>
-              </a:rPr>
-              <a:t>ucdotnet@ucdavis.edu</a:t>
-            </a:r>
-            <a:endParaRPr lang="en-US" sz="2000" dirty="0">
-              <a:solidFill>
-                <a:schemeClr val="bg1"/>
-              </a:solidFill>
-            </a:endParaRPr>
-          </a:p>
-          <a:p>
-            <a:endParaRPr lang="en-US" sz="2000" dirty="0">
-              <a:solidFill>
-                <a:schemeClr val="bg1"/>
-              </a:solidFill>
-            </a:endParaRPr>
-          </a:p>
-          <a:p>
-            <a:r>
-              <a:rPr lang="en-US" dirty="0" smtClean="0">
-                <a:solidFill>
-                  <a:schemeClr val="tx2">
-                    <a:lumMod val="75000"/>
-                  </a:schemeClr>
-                </a:solidFill>
-              </a:rPr>
-              <a:t>TIF Ignite Session</a:t>
-            </a:r>
-          </a:p>
-          <a:p>
-            <a:r>
-              <a:rPr lang="en-US" dirty="0" smtClean="0">
-                <a:solidFill>
-                  <a:schemeClr val="tx2">
-                    <a:lumMod val="75000"/>
-                  </a:schemeClr>
-                </a:solidFill>
-              </a:rPr>
-              <a:t>March 28, 2012</a:t>
-            </a:r>
-          </a:p>
-          <a:p>
-            <a:r>
-              <a:rPr lang="en-US" dirty="0" smtClean="0">
-                <a:solidFill>
-                  <a:schemeClr val="tx2">
-                    <a:lumMod val="75000"/>
-                  </a:schemeClr>
-                </a:solidFill>
-              </a:rPr>
-              <a:t>University of California Davis</a:t>
-            </a:r>
-          </a:p>
-        </p:txBody>
-      </p:sp>
-    </p:spTree>
-    <p:extLst>
-      <p:ext uri="{BB962C8B-B14F-4D97-AF65-F5344CB8AC3E}">
-        <p14:creationId xmlns:p14="http://schemas.microsoft.com/office/powerpoint/2010/main" val="748664466"/>
       </p:ext>
     </p:extLst>
   </p:cSld>
@@ -5176,25 +4318,98 @@
           <a:lstStyle/>
           <a:p>
             <a:r>
-              <a:rPr lang="en-US" dirty="0" smtClean="0"/>
-              <a:t>(Show pretty </a:t>
-            </a:r>
-            <a:r>
-              <a:rPr lang="en-US" dirty="0" err="1" smtClean="0"/>
-              <a:t>graphcs</a:t>
-            </a:r>
-            <a:r>
-              <a:rPr lang="en-US" dirty="0" smtClean="0"/>
-              <a:t> on GitHub)</a:t>
-            </a:r>
-            <a:endParaRPr lang="en-US" dirty="0"/>
+              <a:rPr lang="en-US" sz="2400" dirty="0" smtClean="0"/>
+              <a:t>Agile development using </a:t>
+            </a:r>
+            <a:r>
+              <a:rPr lang="en-US" sz="2400" dirty="0" err="1" smtClean="0"/>
+              <a:t>Trello</a:t>
+            </a:r>
+            <a:r>
+              <a:rPr lang="en-US" sz="2400" dirty="0" smtClean="0"/>
+              <a:t> task management, GitHub for source code management/collaboration, and TeamCity for Continuous Integration (and eventually, deployment!)</a:t>
+            </a:r>
+          </a:p>
+          <a:p>
+            <a:r>
+              <a:rPr lang="en-US" sz="2400" dirty="0" smtClean="0"/>
+              <a:t>Battle-tested architecture using JavaScript front end (</a:t>
+            </a:r>
+            <a:r>
+              <a:rPr lang="en-US" sz="2400" dirty="0" err="1" smtClean="0"/>
+              <a:t>jQuery</a:t>
+            </a:r>
+            <a:r>
+              <a:rPr lang="en-US" sz="2400" dirty="0" smtClean="0"/>
+              <a:t>, knockout,) UCDArch (MVC, </a:t>
+            </a:r>
+            <a:r>
+              <a:rPr lang="en-US" sz="2400" dirty="0" err="1" smtClean="0"/>
+              <a:t>Nhibernate</a:t>
+            </a:r>
+            <a:r>
+              <a:rPr lang="en-US" sz="2400" dirty="0" smtClean="0"/>
+              <a:t>, CAS, </a:t>
+            </a:r>
+            <a:r>
+              <a:rPr lang="en-US" sz="2400" dirty="0" err="1" smtClean="0"/>
+              <a:t>etc</a:t>
+            </a:r>
+            <a:r>
+              <a:rPr lang="en-US" sz="2400" dirty="0" smtClean="0"/>
+              <a:t>) middle layer, SQL server backend, SOAP APIs </a:t>
+            </a:r>
+          </a:p>
+          <a:p>
+            <a:r>
+              <a:rPr lang="en-US" sz="2400" dirty="0" smtClean="0"/>
+              <a:t>Cloud infrastructure using </a:t>
+            </a:r>
+            <a:r>
+              <a:rPr lang="en-US" sz="2400" dirty="0" err="1" smtClean="0"/>
+              <a:t>Ganeti</a:t>
+            </a:r>
+            <a:r>
+              <a:rPr lang="en-US" sz="2400" dirty="0" smtClean="0"/>
+              <a:t>, managed by CSE (Bill </a:t>
+            </a:r>
+            <a:r>
+              <a:rPr lang="en-US" sz="2400" dirty="0" err="1" smtClean="0"/>
+              <a:t>Broadley</a:t>
+            </a:r>
+            <a:r>
+              <a:rPr lang="en-US" sz="2400" dirty="0" smtClean="0"/>
+              <a:t>) and running in the </a:t>
+            </a:r>
+            <a:r>
+              <a:rPr lang="en-US" sz="2400" dirty="0" err="1" smtClean="0"/>
+              <a:t>DataCenter</a:t>
+            </a:r>
+            <a:endParaRPr lang="en-US" sz="2400" dirty="0" smtClean="0"/>
+          </a:p>
+          <a:p>
+            <a:r>
+              <a:rPr lang="en-US" sz="2400" dirty="0" smtClean="0"/>
+              <a:t>UserVoice for </a:t>
+            </a:r>
+            <a:r>
+              <a:rPr lang="en-US" sz="2400" dirty="0" smtClean="0"/>
+              <a:t>feedback</a:t>
+            </a:r>
+          </a:p>
+          <a:p>
+            <a:r>
+              <a:rPr lang="en-US" sz="2400" dirty="0" smtClean="0"/>
+              <a:t>User training for limited beta commences next week!</a:t>
+            </a:r>
+            <a:endParaRPr lang="en-US" sz="2400" dirty="0"/>
           </a:p>
         </p:txBody>
       </p:sp>
     </p:spTree>
     <p:extLst>
       <p:ext uri="{BB962C8B-B14F-4D97-AF65-F5344CB8AC3E}">
-        <p14:creationId xmlns:p14="http://schemas.microsoft.com/office/powerpoint/2010/main" val="959743254"/>
+        <p14:creationId xmlns:p14="http://schemas.microsoft.com/office/powerpoint/2010/main" val="4251429537"/>
       </p:ext>
     </p:extLst>
   </p:cSld>
@@ -5260,96 +4475,25 @@
           <a:lstStyle/>
           <a:p>
             <a:r>
-              <a:rPr lang="en-US" sz="2400" dirty="0" smtClean="0"/>
-              <a:t>Agile development using </a:t>
-            </a:r>
-            <a:r>
-              <a:rPr lang="en-US" sz="2400" dirty="0" err="1" smtClean="0"/>
-              <a:t>Trello</a:t>
-            </a:r>
-            <a:r>
-              <a:rPr lang="en-US" sz="2400" dirty="0" smtClean="0"/>
-              <a:t> </a:t>
-            </a:r>
-            <a:r>
-              <a:rPr lang="en-US" sz="2400" dirty="0" smtClean="0"/>
-              <a:t>task management, </a:t>
-            </a:r>
-            <a:r>
-              <a:rPr lang="en-US" sz="2400" dirty="0" smtClean="0"/>
-              <a:t>GitHub for source code management/collaboration, and TeamCity for Continuous Integration (and eventually, deployment!)</a:t>
-            </a:r>
-          </a:p>
-          <a:p>
-            <a:r>
-              <a:rPr lang="en-US" sz="2400" dirty="0" smtClean="0"/>
-              <a:t>Battle-tested architecture using JavaScript front end (</a:t>
-            </a:r>
-            <a:r>
-              <a:rPr lang="en-US" sz="2400" dirty="0" err="1" smtClean="0"/>
-              <a:t>jQuery</a:t>
-            </a:r>
-            <a:r>
-              <a:rPr lang="en-US" sz="2400" dirty="0" smtClean="0"/>
-              <a:t>, knockout,) UCDArch (MVC, </a:t>
-            </a:r>
-            <a:r>
-              <a:rPr lang="en-US" sz="2400" dirty="0" err="1" smtClean="0"/>
-              <a:t>Nhibernate</a:t>
-            </a:r>
-            <a:r>
-              <a:rPr lang="en-US" sz="2400" dirty="0" smtClean="0"/>
-              <a:t>, CAS, </a:t>
-            </a:r>
-            <a:r>
-              <a:rPr lang="en-US" sz="2400" dirty="0" err="1" smtClean="0"/>
-              <a:t>etc</a:t>
-            </a:r>
-            <a:r>
-              <a:rPr lang="en-US" sz="2400" dirty="0" smtClean="0"/>
-              <a:t>) middle layer, SQL server backend, SOAP APIs </a:t>
-            </a:r>
-          </a:p>
-          <a:p>
-            <a:r>
-              <a:rPr lang="en-US" sz="2400" dirty="0" smtClean="0"/>
-              <a:t>Cloud infrastructure using </a:t>
-            </a:r>
-            <a:r>
-              <a:rPr lang="en-US" sz="2400" dirty="0" err="1" smtClean="0"/>
-              <a:t>Ganeti</a:t>
-            </a:r>
-            <a:r>
-              <a:rPr lang="en-US" sz="2400" dirty="0" smtClean="0"/>
-              <a:t>, managed by CSE (Bill </a:t>
-            </a:r>
-            <a:r>
-              <a:rPr lang="en-US" sz="2400" dirty="0" err="1" smtClean="0"/>
-              <a:t>Broadley</a:t>
-            </a:r>
-            <a:r>
-              <a:rPr lang="en-US" sz="2400" dirty="0" smtClean="0"/>
-              <a:t>) and running in the </a:t>
-            </a:r>
-            <a:r>
-              <a:rPr lang="en-US" sz="2400" dirty="0" err="1" smtClean="0"/>
-              <a:t>DataCenter</a:t>
-            </a:r>
-            <a:endParaRPr lang="en-US" sz="2400" dirty="0" smtClean="0"/>
-          </a:p>
-          <a:p>
-            <a:r>
-              <a:rPr lang="en-US" sz="2400" dirty="0" smtClean="0"/>
-              <a:t>UserVoice for feedback</a:t>
-            </a:r>
-            <a:endParaRPr lang="en-US" sz="2400" dirty="0"/>
+              <a:rPr lang="en-US" dirty="0" smtClean="0"/>
+              <a:t>(Show pretty </a:t>
+            </a:r>
+            <a:r>
+              <a:rPr lang="en-US" dirty="0" smtClean="0"/>
+              <a:t>graphics </a:t>
+            </a:r>
+            <a:r>
+              <a:rPr lang="en-US" dirty="0" smtClean="0"/>
+              <a:t>on GitHub)</a:t>
+            </a:r>
+            <a:endParaRPr lang="en-US" dirty="0"/>
           </a:p>
         </p:txBody>
       </p:sp>
     </p:spTree>
     <p:extLst>
       <p:ext uri="{BB962C8B-B14F-4D97-AF65-F5344CB8AC3E}">
-        <p14:creationId xmlns:p14="http://schemas.microsoft.com/office/powerpoint/2010/main" val="4251429537"/>
+        <p14:creationId xmlns:p14="http://schemas.microsoft.com/office/powerpoint/2010/main" val="959743254"/>
       </p:ext>
     </p:extLst>
   </p:cSld>
@@ -5393,7 +4537,7 @@
           <a:p>
             <a:r>
               <a:rPr lang="en-US" dirty="0" smtClean="0"/>
-              <a:t>What we’re doing Right</a:t>
+              <a:t>A collaboration</a:t>
             </a:r>
             <a:endParaRPr lang="en-US" dirty="0"/>
           </a:p>
@@ -5414,62 +4558,50 @@
           <a:bodyPr/>
           <a:lstStyle/>
           <a:p>
-            <a:pPr marL="514350" indent="-514350">
-              <a:buFont typeface="+mj-lt"/>
-              <a:buAutoNum type="arabicPeriod"/>
-            </a:pPr>
-            <a:r>
-              <a:rPr lang="en-US" sz="2400" dirty="0" smtClean="0"/>
-              <a:t>We are starting to listen to the demands of our customers – the “virtuous feedback loop”</a:t>
-            </a:r>
-          </a:p>
-          <a:p>
-            <a:pPr marL="514350" indent="-514350">
-              <a:buFont typeface="+mj-lt"/>
-              <a:buAutoNum type="arabicPeriod"/>
-            </a:pPr>
-            <a:r>
-              <a:rPr lang="en-US" sz="2400" dirty="0" smtClean="0"/>
-              <a:t>We are starting to leverage the power of the web</a:t>
-            </a:r>
-          </a:p>
-          <a:p>
-            <a:pPr marL="514350" indent="-514350">
-              <a:buFont typeface="+mj-lt"/>
-              <a:buAutoNum type="arabicPeriod"/>
-            </a:pPr>
-            <a:r>
-              <a:rPr lang="en-US" sz="2400" dirty="0" smtClean="0"/>
-              <a:t>We are starting to work together</a:t>
-            </a:r>
-          </a:p>
-          <a:p>
-            <a:pPr marL="514350" indent="-514350">
-              <a:buFont typeface="+mj-lt"/>
-              <a:buAutoNum type="arabicPeriod"/>
-            </a:pPr>
-            <a:r>
-              <a:rPr lang="en-US" sz="2400" dirty="0" smtClean="0"/>
-              <a:t>We are starting to use known/good software engineering principles</a:t>
-            </a:r>
-          </a:p>
-          <a:p>
-            <a:pPr marL="514350" indent="-514350">
-              <a:buFont typeface="+mj-lt"/>
-              <a:buAutoNum type="arabicPeriod"/>
-            </a:pPr>
-            <a:r>
-              <a:rPr lang="en-US" sz="2400" dirty="0" smtClean="0"/>
-              <a:t>“Central” systems are starting to understand that they provide consumable services to a wide range of applications and end users, and that they need to be flexible (= APIs and documentation)</a:t>
-            </a:r>
-            <a:endParaRPr lang="en-US" sz="2400" dirty="0"/>
+            <a:r>
+              <a:rPr lang="en-US" dirty="0" smtClean="0"/>
+              <a:t>The Administrative Application Development Initiative led by Tom Kaiser, with heavy input from ADMAN</a:t>
+            </a:r>
+          </a:p>
+          <a:p>
+            <a:r>
+              <a:rPr lang="en-US" dirty="0" smtClean="0"/>
+              <a:t>The Pre-Purchasing Steering Committee led by Pat Conners</a:t>
+            </a:r>
+          </a:p>
+          <a:p>
+            <a:r>
+              <a:rPr lang="en-US" dirty="0" err="1" smtClean="0"/>
+              <a:t>DaFIS</a:t>
+            </a:r>
+            <a:r>
+              <a:rPr lang="en-US" dirty="0" smtClean="0"/>
+              <a:t> integration, Michael </a:t>
+            </a:r>
+            <a:r>
+              <a:rPr lang="en-US" dirty="0" err="1" smtClean="0"/>
+              <a:t>Kuhner</a:t>
+            </a:r>
+            <a:r>
+              <a:rPr lang="en-US" dirty="0" smtClean="0"/>
+              <a:t> and Jonathon Keller</a:t>
+            </a:r>
+          </a:p>
+          <a:p>
+            <a:r>
+              <a:rPr lang="en-US" dirty="0" smtClean="0"/>
+              <a:t>Training labs, Kelly Crabtree</a:t>
+            </a:r>
+          </a:p>
+          <a:p>
+            <a:endParaRPr lang="en-US" dirty="0"/>
           </a:p>
         </p:txBody>
       </p:sp>
     </p:spTree>
     <p:extLst>
       <p:ext uri="{BB962C8B-B14F-4D97-AF65-F5344CB8AC3E}">
-        <p14:creationId xmlns:p14="http://schemas.microsoft.com/office/powerpoint/2010/main" val="4216588563"/>
+        <p14:creationId xmlns:p14="http://schemas.microsoft.com/office/powerpoint/2010/main" val="3669247624"/>
       </p:ext>
     </p:extLst>
   </p:cSld>
@@ -5513,7 +4645,7 @@
           <a:p>
             <a:r>
               <a:rPr lang="en-US" dirty="0" smtClean="0"/>
-              <a:t>What we’re doing Right</a:t>
+              <a:t>Programmers</a:t>
             </a:r>
             <a:endParaRPr lang="en-US" dirty="0"/>
           </a:p>
@@ -5534,78 +4666,121 @@
           <a:bodyPr/>
           <a:lstStyle/>
           <a:p>
-            <a:pPr marL="514350" indent="-514350">
-              <a:buFont typeface="+mj-lt"/>
-              <a:buAutoNum type="arabicPeriod"/>
+            <a:r>
+              <a:rPr lang="en-US" sz="2400" dirty="0"/>
+              <a:t>Trish </a:t>
+            </a:r>
+            <a:r>
+              <a:rPr lang="en-US" sz="2400" dirty="0" err="1"/>
+              <a:t>Ang</a:t>
+            </a:r>
+            <a:r>
+              <a:rPr lang="en-US" sz="2400" dirty="0"/>
+              <a:t>, designer</a:t>
+            </a:r>
+          </a:p>
+          <a:p>
+            <a:r>
+              <a:rPr lang="en-US" sz="2400" dirty="0"/>
+              <a:t>James </a:t>
+            </a:r>
+            <a:r>
+              <a:rPr lang="en-US" sz="2400" dirty="0" err="1"/>
+              <a:t>Cubbage</a:t>
+            </a:r>
+            <a:r>
+              <a:rPr lang="en-US" sz="2400" dirty="0"/>
+              <a:t>, programmer</a:t>
+            </a:r>
+          </a:p>
+          <a:p>
+            <a:r>
+              <a:rPr lang="en-US" sz="2400" dirty="0"/>
+              <a:t>Scott Kirkland, lead programmer</a:t>
+            </a:r>
+          </a:p>
+          <a:p>
+            <a:r>
+              <a:rPr lang="en-US" sz="2400" dirty="0" smtClean="0"/>
+              <a:t>Alan Lai, project lead and programmer</a:t>
+            </a:r>
+          </a:p>
+          <a:p>
+            <a:r>
+              <a:rPr lang="en-US" sz="2400" dirty="0"/>
+              <a:t>Tyler </a:t>
+            </a:r>
+            <a:r>
+              <a:rPr lang="en-US" sz="2400" dirty="0" err="1"/>
+              <a:t>Randles</a:t>
+            </a:r>
+            <a:r>
+              <a:rPr lang="en-US" sz="2400" dirty="0"/>
+              <a:t>, designer</a:t>
+            </a:r>
+          </a:p>
+          <a:p>
+            <a:r>
+              <a:rPr lang="en-US" sz="2400" dirty="0" smtClean="0"/>
+              <a:t>Jason Sylvester, programmer and tester</a:t>
+            </a:r>
+          </a:p>
+          <a:p>
+            <a:r>
+              <a:rPr lang="en-US" sz="2400" dirty="0" smtClean="0"/>
+              <a:t>Ken Taylor, database programmer</a:t>
+            </a:r>
+          </a:p>
+          <a:p>
+            <a:r>
+              <a:rPr lang="en-US" sz="2400" dirty="0" smtClean="0"/>
+              <a:t>Christopher Thielen, programmer</a:t>
+            </a:r>
+          </a:p>
+          <a:p>
+            <a:r>
+              <a:rPr lang="en-US" sz="2400" dirty="0" smtClean="0"/>
+              <a:t>Jean Zhou, </a:t>
+            </a:r>
+            <a:r>
+              <a:rPr lang="en-US" sz="2400" dirty="0" err="1" smtClean="0"/>
+              <a:t>DaFIS</a:t>
+            </a:r>
+            <a:r>
+              <a:rPr lang="en-US" sz="2400" dirty="0" smtClean="0"/>
+              <a:t>/Kuali API</a:t>
+            </a:r>
+          </a:p>
+          <a:p>
+            <a:pPr marL="0" indent="0">
+              <a:buNone/>
             </a:pPr>
             <a:r>
               <a:rPr lang="en-US" sz="2400" dirty="0" smtClean="0"/>
-              <a:t>Agile development, Pre-Purchasing Steering Committee, UserVoice</a:t>
-            </a:r>
-          </a:p>
-          <a:p>
-            <a:pPr marL="514350" indent="-514350">
-              <a:buFont typeface="+mj-lt"/>
-              <a:buAutoNum type="arabicPeriod"/>
+              <a:t>(see humans.txt)</a:t>
+            </a:r>
+          </a:p>
+          <a:p>
+            <a:pPr marL="0" indent="0">
+              <a:buNone/>
             </a:pPr>
-            <a:r>
-              <a:rPr lang="en-US" sz="2400" dirty="0" smtClean="0"/>
-              <a:t>HTML5, CSS, </a:t>
-            </a:r>
-            <a:r>
-              <a:rPr lang="en-US" sz="2400" dirty="0" err="1" smtClean="0"/>
-              <a:t>Javascript</a:t>
-            </a:r>
-            <a:r>
-              <a:rPr lang="en-US" sz="2400" dirty="0" smtClean="0"/>
-              <a:t>, </a:t>
-            </a:r>
-            <a:r>
-              <a:rPr lang="en-US" sz="2400" dirty="0" err="1" smtClean="0"/>
-              <a:t>RESTful</a:t>
-            </a:r>
-            <a:r>
-              <a:rPr lang="en-US" sz="2400" dirty="0" smtClean="0"/>
-              <a:t> web services</a:t>
-            </a:r>
-          </a:p>
-          <a:p>
-            <a:pPr marL="514350" indent="-514350">
-              <a:buFont typeface="+mj-lt"/>
-              <a:buAutoNum type="arabicPeriod"/>
-            </a:pPr>
-            <a:r>
-              <a:rPr lang="en-US" sz="2400" dirty="0" smtClean="0"/>
-              <a:t>GitHub, code sprints, frequent meetings with clients (agile development)</a:t>
-            </a:r>
-          </a:p>
-          <a:p>
-            <a:pPr marL="514350" indent="-514350">
-              <a:buFont typeface="+mj-lt"/>
-              <a:buAutoNum type="arabicPeriod"/>
-            </a:pPr>
-            <a:r>
-              <a:rPr lang="en-US" sz="2400" dirty="0" smtClean="0"/>
-              <a:t>Solid architecture, code review, test-driven development, continuous integration, instrumentation</a:t>
-            </a:r>
-          </a:p>
-          <a:p>
-            <a:pPr marL="514350" indent="-514350">
-              <a:buFont typeface="+mj-lt"/>
-              <a:buAutoNum type="arabicPeriod"/>
-            </a:pPr>
-            <a:r>
-              <a:rPr lang="en-US" sz="2400" dirty="0" smtClean="0"/>
-              <a:t>Application Programming Interfaces, documentation</a:t>
-            </a:r>
-            <a:endParaRPr lang="en-US" sz="2400" dirty="0"/>
+            <a:endParaRPr lang="en-US" dirty="0" smtClean="0"/>
+          </a:p>
+          <a:p>
+            <a:endParaRPr lang="en-US" dirty="0" smtClean="0"/>
+          </a:p>
+          <a:p>
+            <a:endParaRPr lang="en-US" dirty="0" smtClean="0"/>
+          </a:p>
+          <a:p>
+            <a:endParaRPr lang="en-US" dirty="0"/>
           </a:p>
         </p:txBody>
       </p:sp>
     </p:spTree>
     <p:extLst>
       <p:ext uri="{BB962C8B-B14F-4D97-AF65-F5344CB8AC3E}">
-        <p14:creationId xmlns:p14="http://schemas.microsoft.com/office/powerpoint/2010/main" val="1874216367"/>
+        <p14:creationId xmlns:p14="http://schemas.microsoft.com/office/powerpoint/2010/main" val="1772232009"/>
       </p:ext>
     </p:extLst>
   </p:cSld>
@@ -5649,7 +4824,7 @@
           <a:p>
             <a:r>
               <a:rPr lang="en-US" dirty="0" smtClean="0"/>
-              <a:t>What we’re doing wrong</a:t>
+              <a:t>Systems</a:t>
             </a:r>
             <a:endParaRPr lang="en-US" dirty="0"/>
           </a:p>
@@ -5671,9 +4846,32 @@
           <a:lstStyle/>
           <a:p>
             <a:r>
-              <a:rPr lang="en-US" dirty="0" smtClean="0"/>
-              <a:t>We think all Programmers are created equal</a:t>
-            </a:r>
+              <a:rPr lang="en-US" sz="2400" dirty="0" smtClean="0"/>
+              <a:t>Bill </a:t>
+            </a:r>
+            <a:r>
+              <a:rPr lang="en-US" sz="2400" dirty="0" err="1" smtClean="0"/>
+              <a:t>Broadley</a:t>
+            </a:r>
+            <a:r>
+              <a:rPr lang="en-US" sz="2400" dirty="0" smtClean="0"/>
+              <a:t>, architect for cloud services</a:t>
+            </a:r>
+          </a:p>
+          <a:p>
+            <a:r>
+              <a:rPr lang="en-US" sz="2400" dirty="0" smtClean="0"/>
+              <a:t>Tom Pomroy, systems administrator</a:t>
+            </a:r>
+            <a:endParaRPr lang="en-US" dirty="0" smtClean="0"/>
+          </a:p>
+          <a:p>
+            <a:endParaRPr lang="en-US" dirty="0" smtClean="0"/>
+          </a:p>
+          <a:p>
+            <a:endParaRPr lang="en-US" dirty="0" smtClean="0"/>
+          </a:p>
+          <a:p>
             <a:endParaRPr lang="en-US" dirty="0"/>
           </a:p>
         </p:txBody>
@@ -5681,7 +4879,7 @@
     </p:spTree>
     <p:extLst>
       <p:ext uri="{BB962C8B-B14F-4D97-AF65-F5344CB8AC3E}">
-        <p14:creationId xmlns:p14="http://schemas.microsoft.com/office/powerpoint/2010/main" val="1357313687"/>
+        <p14:creationId xmlns:p14="http://schemas.microsoft.com/office/powerpoint/2010/main" val="1349452332"/>
       </p:ext>
     </p:extLst>
   </p:cSld>
@@ -5710,308 +4908,104 @@
       </p:grpSpPr>
       <p:sp>
         <p:nvSpPr>
-          <p:cNvPr id="2" name="TextBox 1"/>
-          <p:cNvSpPr txBox="1"/>
-          <p:nvPr/>
-        </p:nvSpPr>
-        <p:spPr>
-          <a:xfrm>
-            <a:off x="609600" y="1588532"/>
-            <a:ext cx="8285345" cy="369332"/>
-          </a:xfrm>
-          <a:prstGeom prst="rect">
-            <a:avLst/>
-          </a:prstGeom>
-          <a:noFill/>
-        </p:spPr>
-        <p:txBody>
-          <a:bodyPr wrap="none" rtlCol="0">
-            <a:spAutoFit/>
-          </a:bodyPr>
+          <p:cNvPr id="2" name="Title 1"/>
+          <p:cNvSpPr>
+            <a:spLocks noGrp="1"/>
+          </p:cNvSpPr>
+          <p:nvPr>
+            <p:ph type="title"/>
+          </p:nvPr>
+        </p:nvSpPr>
+        <p:spPr/>
+        <p:txBody>
+          <a:bodyPr/>
           <a:lstStyle/>
           <a:p>
-            <a:pPr fontAlgn="base">
-              <a:spcBef>
-                <a:spcPct val="0"/>
-              </a:spcBef>
-              <a:spcAft>
-                <a:spcPct val="0"/>
-              </a:spcAft>
+            <a:r>
+              <a:rPr lang="en-US" dirty="0" smtClean="0"/>
+              <a:t>What we’re doing Right</a:t>
+            </a:r>
+            <a:endParaRPr lang="en-US" dirty="0"/>
+          </a:p>
+        </p:txBody>
+      </p:sp>
+      <p:sp>
+        <p:nvSpPr>
+          <p:cNvPr id="3" name="Content Placeholder 2"/>
+          <p:cNvSpPr>
+            <a:spLocks noGrp="1"/>
+          </p:cNvSpPr>
+          <p:nvPr>
+            <p:ph idx="1"/>
+          </p:nvPr>
+        </p:nvSpPr>
+        <p:spPr/>
+        <p:txBody>
+          <a:bodyPr/>
+          <a:lstStyle/>
+          <a:p>
+            <a:pPr marL="514350" indent="-514350">
+              <a:buFont typeface="+mj-lt"/>
+              <a:buAutoNum type="arabicPeriod"/>
             </a:pPr>
             <a:r>
-              <a:rPr lang="en-US" dirty="0">
-                <a:solidFill>
-                  <a:srgbClr val="000000"/>
-                </a:solidFill>
-              </a:rPr>
-              <a:t>Programmer (noun): An organism that can turn caffeine and alcohol into code*</a:t>
-            </a:r>
-          </a:p>
-        </p:txBody>
-      </p:sp>
-      <p:grpSp>
-        <p:nvGrpSpPr>
-          <p:cNvPr id="4" name="Group 3"/>
-          <p:cNvGrpSpPr/>
-          <p:nvPr/>
-        </p:nvGrpSpPr>
-        <p:grpSpPr>
-          <a:xfrm>
-            <a:off x="384123" y="2331719"/>
-            <a:ext cx="8375754" cy="3429001"/>
-            <a:chOff x="429423" y="2331719"/>
-            <a:chExt cx="8375754" cy="3429001"/>
-          </a:xfrm>
-        </p:grpSpPr>
-        <p:pic>
-          <p:nvPicPr>
-            <p:cNvPr id="1026" name="Picture 2" descr="Sandwich"/>
-            <p:cNvPicPr>
-              <a:picLocks noChangeAspect="1" noChangeArrowheads="1"/>
-            </p:cNvPicPr>
-            <p:nvPr/>
-          </p:nvPicPr>
-          <p:blipFill>
-            <a:blip r:embed="rId3">
-              <a:extLst>
-                <a:ext uri="{28A0092B-C50C-407E-A947-70E740481C1C}">
-                  <a14:useLocalDpi xmlns:a14="http://schemas.microsoft.com/office/drawing/2010/main" val="0"/>
-                </a:ext>
-              </a:extLst>
-            </a:blip>
-            <a:srcRect/>
-            <a:stretch>
-              <a:fillRect/>
-            </a:stretch>
-          </p:blipFill>
-          <p:spPr bwMode="auto">
-            <a:xfrm>
-              <a:off x="429423" y="2331719"/>
-              <a:ext cx="4128562" cy="3429001"/>
-            </a:xfrm>
-            <a:prstGeom prst="rect">
-              <a:avLst/>
-            </a:prstGeom>
-            <a:noFill/>
-            <a:extLst>
-              <a:ext uri="{909E8E84-426E-40DD-AFC4-6F175D3DCCD1}">
-                <a14:hiddenFill xmlns:a14="http://schemas.microsoft.com/office/drawing/2010/main">
-                  <a:solidFill>
-                    <a:srgbClr val="FFFFFF"/>
-                  </a:solidFill>
-                </a14:hiddenFill>
-              </a:ext>
-            </a:extLst>
-          </p:spPr>
-        </p:pic>
-        <p:pic>
-          <p:nvPicPr>
-            <p:cNvPr id="1028" name="Picture 4" descr="Compiling"/>
-            <p:cNvPicPr>
-              <a:picLocks noChangeAspect="1" noChangeArrowheads="1"/>
-            </p:cNvPicPr>
-            <p:nvPr/>
-          </p:nvPicPr>
-          <p:blipFill>
-            <a:blip r:embed="rId4">
-              <a:extLst>
-                <a:ext uri="{28A0092B-C50C-407E-A947-70E740481C1C}">
-                  <a14:useLocalDpi xmlns:a14="http://schemas.microsoft.com/office/drawing/2010/main" val="0"/>
-                </a:ext>
-              </a:extLst>
-            </a:blip>
-            <a:srcRect/>
-            <a:stretch>
-              <a:fillRect/>
-            </a:stretch>
-          </p:blipFill>
-          <p:spPr bwMode="auto">
-            <a:xfrm>
-              <a:off x="4871352" y="2331719"/>
-              <a:ext cx="3933825" cy="3429001"/>
-            </a:xfrm>
-            <a:prstGeom prst="rect">
-              <a:avLst/>
-            </a:prstGeom>
-            <a:noFill/>
-            <a:extLst>
-              <a:ext uri="{909E8E84-426E-40DD-AFC4-6F175D3DCCD1}">
-                <a14:hiddenFill xmlns:a14="http://schemas.microsoft.com/office/drawing/2010/main">
-                  <a:solidFill>
-                    <a:srgbClr val="FFFFFF"/>
-                  </a:solidFill>
-                </a14:hiddenFill>
-              </a:ext>
-            </a:extLst>
-          </p:spPr>
-        </p:pic>
-      </p:grpSp>
-      <p:sp>
-        <p:nvSpPr>
-          <p:cNvPr id="5" name="TextBox 4"/>
-          <p:cNvSpPr txBox="1"/>
-          <p:nvPr/>
-        </p:nvSpPr>
-        <p:spPr>
-          <a:xfrm>
-            <a:off x="1267304" y="5867400"/>
-            <a:ext cx="2362200" cy="369332"/>
-          </a:xfrm>
-          <a:prstGeom prst="rect">
-            <a:avLst/>
-          </a:prstGeom>
-          <a:noFill/>
-        </p:spPr>
-        <p:txBody>
-          <a:bodyPr wrap="square" rtlCol="0">
-            <a:spAutoFit/>
-          </a:bodyPr>
-          <a:lstStyle/>
-          <a:p>
-            <a:pPr fontAlgn="base">
-              <a:spcBef>
-                <a:spcPct val="0"/>
-              </a:spcBef>
-              <a:spcAft>
-                <a:spcPct val="0"/>
-              </a:spcAft>
+              <a:rPr lang="en-US" sz="2400" dirty="0" smtClean="0"/>
+              <a:t>We are starting to listen to the demands of our customers – the “virtuous feedback loop”</a:t>
+            </a:r>
+          </a:p>
+          <a:p>
+            <a:pPr marL="514350" indent="-514350">
+              <a:buFont typeface="+mj-lt"/>
+              <a:buAutoNum type="arabicPeriod"/>
             </a:pPr>
             <a:r>
-              <a:rPr lang="en-US" dirty="0">
-                <a:solidFill>
-                  <a:srgbClr val="000000"/>
-                </a:solidFill>
-                <a:hlinkClick r:id="rId5"/>
-              </a:rPr>
-              <a:t>http://xkcd.com/149/</a:t>
-            </a:r>
-            <a:endParaRPr lang="en-US" dirty="0">
-              <a:solidFill>
-                <a:srgbClr val="000000"/>
-              </a:solidFill>
-            </a:endParaRPr>
-          </a:p>
-        </p:txBody>
-      </p:sp>
-      <p:sp>
-        <p:nvSpPr>
-          <p:cNvPr id="6" name="TextBox 5"/>
-          <p:cNvSpPr txBox="1"/>
-          <p:nvPr/>
-        </p:nvSpPr>
-        <p:spPr>
-          <a:xfrm>
-            <a:off x="5668297" y="5867400"/>
-            <a:ext cx="2249334" cy="369332"/>
-          </a:xfrm>
-          <a:prstGeom prst="rect">
-            <a:avLst/>
-          </a:prstGeom>
-          <a:noFill/>
-        </p:spPr>
-        <p:txBody>
-          <a:bodyPr wrap="none" rtlCol="0">
-            <a:spAutoFit/>
-          </a:bodyPr>
-          <a:lstStyle/>
-          <a:p>
-            <a:pPr fontAlgn="base">
-              <a:spcBef>
-                <a:spcPct val="0"/>
-              </a:spcBef>
-              <a:spcAft>
-                <a:spcPct val="0"/>
-              </a:spcAft>
+              <a:rPr lang="en-US" sz="2400" dirty="0" smtClean="0"/>
+              <a:t>We are starting to leverage the power of the web</a:t>
+            </a:r>
+          </a:p>
+          <a:p>
+            <a:pPr marL="514350" indent="-514350">
+              <a:buFont typeface="+mj-lt"/>
+              <a:buAutoNum type="arabicPeriod"/>
             </a:pPr>
             <a:r>
-              <a:rPr lang="en-US" dirty="0">
-                <a:solidFill>
-                  <a:srgbClr val="000000"/>
-                </a:solidFill>
-                <a:hlinkClick r:id="rId6"/>
-              </a:rPr>
-              <a:t>http://xkcd.com/303/</a:t>
-            </a:r>
-            <a:endParaRPr lang="en-US" dirty="0">
-              <a:solidFill>
-                <a:srgbClr val="000000"/>
-              </a:solidFill>
-            </a:endParaRPr>
-          </a:p>
-        </p:txBody>
-      </p:sp>
-      <p:sp>
-        <p:nvSpPr>
-          <p:cNvPr id="7" name="TextBox 6"/>
-          <p:cNvSpPr txBox="1"/>
-          <p:nvPr/>
-        </p:nvSpPr>
-        <p:spPr>
-          <a:xfrm>
-            <a:off x="2004631" y="6328207"/>
-            <a:ext cx="5134739" cy="369332"/>
-          </a:xfrm>
-          <a:prstGeom prst="rect">
-            <a:avLst/>
-          </a:prstGeom>
-          <a:noFill/>
-        </p:spPr>
-        <p:txBody>
-          <a:bodyPr wrap="none" rtlCol="0">
-            <a:spAutoFit/>
-          </a:bodyPr>
-          <a:lstStyle/>
-          <a:p>
-            <a:pPr fontAlgn="base">
-              <a:spcBef>
-                <a:spcPct val="0"/>
-              </a:spcBef>
-              <a:spcAft>
-                <a:spcPct val="0"/>
-              </a:spcAft>
+              <a:rPr lang="en-US" sz="2400" dirty="0" smtClean="0"/>
+              <a:t>We are starting to work together</a:t>
+            </a:r>
+          </a:p>
+          <a:p>
+            <a:pPr marL="514350" indent="-514350">
+              <a:buFont typeface="+mj-lt"/>
+              <a:buAutoNum type="arabicPeriod"/>
             </a:pPr>
             <a:r>
-              <a:rPr lang="en-US" dirty="0">
-                <a:solidFill>
-                  <a:srgbClr val="000000"/>
-                </a:solidFill>
-              </a:rPr>
-              <a:t>* </a:t>
-            </a:r>
-            <a:r>
-              <a:rPr lang="en-US" dirty="0">
-                <a:solidFill>
-                  <a:srgbClr val="000000"/>
-                </a:solidFill>
-                <a:hlinkClick r:id="rId7"/>
-              </a:rPr>
-              <a:t>http://uncyclopedia.wikia.com/wiki/Programmer</a:t>
-            </a:r>
-            <a:endParaRPr lang="en-US" dirty="0">
-              <a:solidFill>
-                <a:srgbClr val="000000"/>
-              </a:solidFill>
-            </a:endParaRPr>
+              <a:rPr lang="en-US" sz="2400" dirty="0" smtClean="0"/>
+              <a:t>We are starting to use known/good software engineering principles</a:t>
+            </a:r>
+          </a:p>
+          <a:p>
+            <a:pPr marL="514350" indent="-514350">
+              <a:buFont typeface="+mj-lt"/>
+              <a:buAutoNum type="arabicPeriod"/>
+            </a:pPr>
+            <a:r>
+              <a:rPr lang="en-US" sz="2400" dirty="0" smtClean="0"/>
+              <a:t>“Central” systems are starting to understand that they provide consumable services to a wide range of applications and end users, and that they need to be flexible (= APIs and documentation)</a:t>
+            </a:r>
+            <a:endParaRPr lang="en-US" sz="2400" dirty="0"/>
           </a:p>
         </p:txBody>
       </p:sp>
     </p:spTree>
     <p:extLst>
       <p:ext uri="{BB962C8B-B14F-4D97-AF65-F5344CB8AC3E}">
-        <p14:creationId xmlns:p14="http://schemas.microsoft.com/office/powerpoint/2010/main" val="608494918"/>
+        <p14:creationId xmlns:p14="http://schemas.microsoft.com/office/powerpoint/2010/main" val="4216588563"/>
       </p:ext>
     </p:extLst>
   </p:cSld>
   <p:clrMapOvr>
     <a:masterClrMapping/>
   </p:clrMapOvr>
-  <p:timing>
-    <p:tnLst>
-      <p:par>
-        <p:cTn id="1" dur="indefinite" restart="never" nodeType="tmRoot"/>
-      </p:par>
-    </p:tnLst>
-  </p:timing>
 </p:sld>
 </file>
 
@@ -6034,38 +5028,114 @@
       </p:grpSpPr>
       <p:sp>
         <p:nvSpPr>
-          <p:cNvPr id="2" name="TextBox 1"/>
-          <p:cNvSpPr txBox="1"/>
-          <p:nvPr/>
-        </p:nvSpPr>
-        <p:spPr>
-          <a:xfrm>
-            <a:off x="2209800" y="2133600"/>
-            <a:ext cx="3095784" cy="369332"/>
-          </a:xfrm>
-          <a:prstGeom prst="rect">
-            <a:avLst/>
-          </a:prstGeom>
-          <a:noFill/>
-        </p:spPr>
-        <p:txBody>
-          <a:bodyPr wrap="none" rtlCol="0">
-            <a:spAutoFit/>
-          </a:bodyPr>
+          <p:cNvPr id="2" name="Title 1"/>
+          <p:cNvSpPr>
+            <a:spLocks noGrp="1"/>
+          </p:cNvSpPr>
+          <p:nvPr>
+            <p:ph type="title"/>
+          </p:nvPr>
+        </p:nvSpPr>
+        <p:spPr/>
+        <p:txBody>
+          <a:bodyPr/>
           <a:lstStyle/>
           <a:p>
             <a:r>
               <a:rPr lang="en-US" dirty="0" smtClean="0"/>
-              <a:t>Picture of Applications Stack</a:t>
+              <a:t>What we’re doing Right</a:t>
             </a:r>
             <a:endParaRPr lang="en-US" dirty="0"/>
+          </a:p>
+        </p:txBody>
+      </p:sp>
+      <p:sp>
+        <p:nvSpPr>
+          <p:cNvPr id="3" name="Content Placeholder 2"/>
+          <p:cNvSpPr>
+            <a:spLocks noGrp="1"/>
+          </p:cNvSpPr>
+          <p:nvPr>
+            <p:ph idx="1"/>
+          </p:nvPr>
+        </p:nvSpPr>
+        <p:spPr/>
+        <p:txBody>
+          <a:bodyPr/>
+          <a:lstStyle/>
+          <a:p>
+            <a:pPr marL="514350" indent="-514350">
+              <a:buFont typeface="+mj-lt"/>
+              <a:buAutoNum type="arabicPeriod"/>
+            </a:pPr>
+            <a:r>
+              <a:rPr lang="en-US" sz="2400" dirty="0" smtClean="0"/>
+              <a:t>Agile development, Pre-Purchasing Steering Committee, UserVoice</a:t>
+            </a:r>
+          </a:p>
+          <a:p>
+            <a:pPr marL="514350" indent="-514350">
+              <a:buFont typeface="+mj-lt"/>
+              <a:buAutoNum type="arabicPeriod"/>
+            </a:pPr>
+            <a:r>
+              <a:rPr lang="en-US" sz="2400" dirty="0" smtClean="0"/>
+              <a:t>HTML5, CSS, </a:t>
+            </a:r>
+            <a:r>
+              <a:rPr lang="en-US" sz="2400" dirty="0" err="1" smtClean="0"/>
+              <a:t>Javascript</a:t>
+            </a:r>
+            <a:r>
+              <a:rPr lang="en-US" sz="2400" dirty="0" smtClean="0"/>
+              <a:t>, </a:t>
+            </a:r>
+            <a:r>
+              <a:rPr lang="en-US" sz="2400" dirty="0" err="1" smtClean="0"/>
+              <a:t>RESTful</a:t>
+            </a:r>
+            <a:r>
+              <a:rPr lang="en-US" sz="2400" dirty="0" smtClean="0"/>
+              <a:t> web services</a:t>
+            </a:r>
+          </a:p>
+          <a:p>
+            <a:pPr marL="514350" indent="-514350">
+              <a:buFont typeface="+mj-lt"/>
+              <a:buAutoNum type="arabicPeriod"/>
+            </a:pPr>
+            <a:r>
+              <a:rPr lang="en-US" sz="2400" dirty="0" smtClean="0"/>
+              <a:t>GitHub, code sprints, frequent meetings with clients (agile development)</a:t>
+            </a:r>
+          </a:p>
+          <a:p>
+            <a:pPr marL="514350" indent="-514350">
+              <a:buFont typeface="+mj-lt"/>
+              <a:buAutoNum type="arabicPeriod"/>
+            </a:pPr>
+            <a:r>
+              <a:rPr lang="en-US" sz="2400" dirty="0" smtClean="0"/>
+              <a:t>Solid architecture, code review, test-driven development, continuous integration, instrumentation</a:t>
+            </a:r>
+          </a:p>
+          <a:p>
+            <a:pPr marL="514350" indent="-514350">
+              <a:buFont typeface="+mj-lt"/>
+              <a:buAutoNum type="arabicPeriod"/>
+            </a:pPr>
+            <a:r>
+              <a:rPr lang="en-US" sz="2400" dirty="0" smtClean="0"/>
+              <a:t>Application Programming Interfaces, documentation</a:t>
+            </a:r>
+            <a:endParaRPr lang="en-US" sz="2400" dirty="0"/>
           </a:p>
         </p:txBody>
       </p:sp>
     </p:spTree>
     <p:extLst>
       <p:ext uri="{BB962C8B-B14F-4D97-AF65-F5344CB8AC3E}">
-        <p14:creationId xmlns:p14="http://schemas.microsoft.com/office/powerpoint/2010/main" val="3448030267"/>
+        <p14:creationId xmlns:p14="http://schemas.microsoft.com/office/powerpoint/2010/main" val="1874216367"/>
       </p:ext>
     </p:extLst>
   </p:cSld>
@@ -6109,7 +5179,11 @@
           <a:p>
             <a:r>
               <a:rPr lang="en-US" dirty="0" smtClean="0"/>
-              <a:t>What we’re doing wrong</a:t>
+              <a:t>What </a:t>
+            </a:r>
+            <a:r>
+              <a:rPr lang="en-US" dirty="0" smtClean="0"/>
+              <a:t>we could improve</a:t>
             </a:r>
             <a:endParaRPr lang="en-US" dirty="0"/>
           </a:p>
@@ -6130,34 +5204,12 @@
           <a:bodyPr/>
           <a:lstStyle/>
           <a:p>
-            <a:r>
-              <a:rPr lang="en-US" dirty="0"/>
-              <a:t>Virtualization ≠ Cloud Services</a:t>
-            </a:r>
-          </a:p>
-          <a:p>
             <a:pPr marL="0" indent="0">
               <a:buNone/>
             </a:pPr>
             <a:r>
               <a:rPr lang="en-US" dirty="0" smtClean="0"/>
-              <a:t>-&gt; </a:t>
-            </a:r>
-            <a:r>
-              <a:rPr lang="en-US" dirty="0" err="1" smtClean="0"/>
-              <a:t>DevOps</a:t>
-            </a:r>
-            <a:r>
-              <a:rPr lang="en-US" dirty="0" smtClean="0"/>
-              <a:t> </a:t>
-            </a:r>
-            <a:r>
-              <a:rPr lang="en-US" dirty="0"/>
-              <a:t>= ??? (a combination of the above</a:t>
-            </a:r>
-            <a:r>
-              <a:rPr lang="en-US" dirty="0" smtClean="0"/>
-              <a:t>)</a:t>
+              <a:t>(Topic for TIF-Ignite presentation)</a:t>
             </a:r>
             <a:endParaRPr lang="en-US" dirty="0"/>
           </a:p>

--- a/OnlinePrePurchasing.pptx
+++ b/OnlinePrePurchasing.pptx
@@ -200,7 +200,7 @@
           <a:p>
             <a:fld id="{3AF8D1B2-0A1C-4E95-B09A-497F170451A9}" type="datetimeFigureOut">
               <a:rPr lang="en-US" smtClean="0"/>
-              <a:t>3/27/2012</a:t>
+              <a:t>3/28/2012</a:t>
             </a:fld>
             <a:endParaRPr lang="en-US"/>
           </a:p>
@@ -4390,11 +4390,7 @@
           <a:p>
             <a:r>
               <a:rPr lang="en-US" sz="2400" dirty="0" smtClean="0"/>
-              <a:t>UserVoice for </a:t>
-            </a:r>
-            <a:r>
-              <a:rPr lang="en-US" sz="2400" dirty="0" smtClean="0"/>
-              <a:t>feedback</a:t>
+              <a:t>UserVoice for feedback</a:t>
             </a:r>
           </a:p>
           <a:p>
@@ -4476,15 +4472,7 @@
           <a:p>
             <a:r>
               <a:rPr lang="en-US" dirty="0" smtClean="0"/>
-              <a:t>(Show pretty </a:t>
-            </a:r>
-            <a:r>
-              <a:rPr lang="en-US" dirty="0" smtClean="0"/>
-              <a:t>graphics </a:t>
-            </a:r>
-            <a:r>
-              <a:rPr lang="en-US" dirty="0" smtClean="0"/>
-              <a:t>on GitHub)</a:t>
+              <a:t>(Show pretty graphics on GitHub)</a:t>
             </a:r>
             <a:endParaRPr lang="en-US" dirty="0"/>
           </a:p>
@@ -4690,8 +4678,23 @@
             </a:r>
             <a:r>
               <a:rPr lang="en-US" sz="2400" dirty="0"/>
+              <a:t>, </a:t>
+            </a:r>
+            <a:r>
+              <a:rPr lang="en-US" sz="2400" dirty="0" smtClean="0"/>
+              <a:t>programmer</a:t>
+            </a:r>
+          </a:p>
+          <a:p>
+            <a:r>
+              <a:rPr lang="en-US" sz="2400" dirty="0" smtClean="0"/>
+              <a:t>Scott Dyer</a:t>
+            </a:r>
+            <a:r>
+              <a:rPr lang="en-US" sz="2400" smtClean="0"/>
               <a:t>, programmer</a:t>
             </a:r>
+            <a:endParaRPr lang="en-US" sz="2400" dirty="0"/>
           </a:p>
           <a:p>
             <a:r>
@@ -5179,11 +5182,7 @@
           <a:p>
             <a:r>
               <a:rPr lang="en-US" dirty="0" smtClean="0"/>
-              <a:t>What </a:t>
-            </a:r>
-            <a:r>
-              <a:rPr lang="en-US" dirty="0" smtClean="0"/>
-              <a:t>we could improve</a:t>
+              <a:t>What we could improve</a:t>
             </a:r>
             <a:endParaRPr lang="en-US" dirty="0"/>
           </a:p>

--- a/OnlinePrePurchasing.pptx
+++ b/OnlinePrePurchasing.pptx
@@ -4472,7 +4472,60 @@
           <a:p>
             <a:r>
               <a:rPr lang="en-US" dirty="0" smtClean="0"/>
-              <a:t>(Show pretty graphics on GitHub)</a:t>
+              <a:t>First code sprint 8/18-19</a:t>
+            </a:r>
+          </a:p>
+          <a:p>
+            <a:pPr lvl="1"/>
+            <a:r>
+              <a:rPr lang="en-US" dirty="0">
+                <a:hlinkClick r:id="rId2"/>
+              </a:rPr>
+              <a:t>https://</a:t>
+            </a:r>
+            <a:r>
+              <a:rPr lang="en-US" dirty="0" smtClean="0">
+                <a:hlinkClick r:id="rId2"/>
+              </a:rPr>
+              <a:t>github.com/ucdavis/Purchasing/wiki/Sprint-8-18-and-8-19</a:t>
+            </a:r>
+            <a:endParaRPr lang="en-US" dirty="0" smtClean="0"/>
+          </a:p>
+          <a:p>
+            <a:r>
+              <a:rPr lang="en-US" dirty="0" smtClean="0"/>
+              <a:t>Commit impact graph</a:t>
+            </a:r>
+          </a:p>
+          <a:p>
+            <a:pPr lvl="1"/>
+            <a:r>
+              <a:rPr lang="en-US" dirty="0">
+                <a:hlinkClick r:id="rId3"/>
+              </a:rPr>
+              <a:t>https://</a:t>
+            </a:r>
+            <a:r>
+              <a:rPr lang="en-US" dirty="0" smtClean="0">
+                <a:hlinkClick r:id="rId3"/>
+              </a:rPr>
+              <a:t>github.com/ucdavis/Purchasing/graphs/impact</a:t>
+            </a:r>
+            <a:endParaRPr lang="en-US" dirty="0" smtClean="0"/>
+          </a:p>
+          <a:p>
+            <a:r>
+              <a:rPr lang="en-US" dirty="0" smtClean="0"/>
+              <a:t>Infrastructure</a:t>
+            </a:r>
+          </a:p>
+          <a:p>
+            <a:pPr lvl="1"/>
+            <a:r>
+              <a:rPr lang="en-US" dirty="0">
+                <a:hlinkClick r:id="rId4"/>
+              </a:rPr>
+              <a:t>https://github.com/ucdavis/Purchasing/wiki/Infrastructure</a:t>
             </a:r>
             <a:endParaRPr lang="en-US" dirty="0"/>
           </a:p>
@@ -4688,11 +4741,7 @@
           <a:p>
             <a:r>
               <a:rPr lang="en-US" sz="2400" dirty="0" smtClean="0"/>
-              <a:t>Scott Dyer</a:t>
-            </a:r>
-            <a:r>
-              <a:rPr lang="en-US" sz="2400" smtClean="0"/>
-              <a:t>, programmer</a:t>
+              <a:t>Scott Dyer, programmer</a:t>
             </a:r>
             <a:endParaRPr lang="en-US" sz="2400" dirty="0"/>
           </a:p>
@@ -4760,8 +4809,19 @@
             </a:pPr>
             <a:r>
               <a:rPr lang="en-US" sz="2400" dirty="0" smtClean="0"/>
-              <a:t>(see humans.txt)</a:t>
-            </a:r>
+              <a:t>(see </a:t>
+            </a:r>
+            <a:r>
+              <a:rPr lang="en-US" sz="2400" dirty="0">
+                <a:hlinkClick r:id="rId2"/>
+              </a:rPr>
+              <a:t>http://prepurchasing.ucdavis.edu/humans.txt</a:t>
+            </a:r>
+            <a:r>
+              <a:rPr lang="en-US" sz="2400" dirty="0" smtClean="0"/>
+              <a:t>)</a:t>
+            </a:r>
+            <a:endParaRPr lang="en-US" sz="2400" dirty="0" smtClean="0"/>
           </a:p>
           <a:p>
             <a:pPr marL="0" indent="0">
@@ -5094,12 +5154,12 @@
               <a:t>, </a:t>
             </a:r>
             <a:r>
-              <a:rPr lang="en-US" sz="2400" dirty="0" err="1" smtClean="0"/>
-              <a:t>RESTful</a:t>
-            </a:r>
-            <a:r>
               <a:rPr lang="en-US" sz="2400" dirty="0" smtClean="0"/>
-              <a:t> web services</a:t>
+              <a:t>web </a:t>
+            </a:r>
+            <a:r>
+              <a:rPr lang="en-US" sz="2400" dirty="0" smtClean="0"/>
+              <a:t>services</a:t>
             </a:r>
           </a:p>
           <a:p>
